--- a/presentaciones/Modulo 5.Repositorios con JPA.pptx
+++ b/presentaciones/Modulo 5.Repositorios con JPA.pptx
@@ -13,6 +13,8 @@
     <p:sldId id="274" r:id="rId7"/>
     <p:sldId id="276" r:id="rId8"/>
     <p:sldId id="277" r:id="rId9"/>
+    <p:sldId id="278" r:id="rId10"/>
+    <p:sldId id="279" r:id="rId11"/>
   </p:sldIdLst>
   <p:sldSz cx="12192000" cy="6858000"/>
   <p:notesSz cx="6858000" cy="9144000"/>
@@ -268,7 +270,7 @@
           <a:p>
             <a:fld id="{9947E4B7-F257-4C4C-887E-FAB8D4174B66}" type="datetimeFigureOut">
               <a:rPr lang="es-PE" smtClean="0"/>
-              <a:t>21/04/2025</a:t>
+              <a:t>30/04/2025</a:t>
             </a:fld>
             <a:endParaRPr lang="es-PE"/>
           </a:p>
@@ -468,7 +470,7 @@
           <a:p>
             <a:fld id="{9947E4B7-F257-4C4C-887E-FAB8D4174B66}" type="datetimeFigureOut">
               <a:rPr lang="es-PE" smtClean="0"/>
-              <a:t>21/04/2025</a:t>
+              <a:t>30/04/2025</a:t>
             </a:fld>
             <a:endParaRPr lang="es-PE"/>
           </a:p>
@@ -678,7 +680,7 @@
           <a:p>
             <a:fld id="{9947E4B7-F257-4C4C-887E-FAB8D4174B66}" type="datetimeFigureOut">
               <a:rPr lang="es-PE" smtClean="0"/>
-              <a:t>21/04/2025</a:t>
+              <a:t>30/04/2025</a:t>
             </a:fld>
             <a:endParaRPr lang="es-PE"/>
           </a:p>
@@ -886,7 +888,7 @@
           <a:p>
             <a:fld id="{9947E4B7-F257-4C4C-887E-FAB8D4174B66}" type="datetimeFigureOut">
               <a:rPr lang="es-PE" smtClean="0"/>
-              <a:t>21/04/2025</a:t>
+              <a:t>30/04/2025</a:t>
             </a:fld>
             <a:endParaRPr lang="es-PE"/>
           </a:p>
@@ -1377,7 +1379,7 @@
           <a:p>
             <a:fld id="{9947E4B7-F257-4C4C-887E-FAB8D4174B66}" type="datetimeFigureOut">
               <a:rPr lang="es-PE" smtClean="0"/>
-              <a:t>21/04/2025</a:t>
+              <a:t>30/04/2025</a:t>
             </a:fld>
             <a:endParaRPr lang="es-PE"/>
           </a:p>
@@ -1860,7 +1862,7 @@
           <a:p>
             <a:fld id="{9947E4B7-F257-4C4C-887E-FAB8D4174B66}" type="datetimeFigureOut">
               <a:rPr lang="es-PE" smtClean="0"/>
-              <a:t>21/04/2025</a:t>
+              <a:t>30/04/2025</a:t>
             </a:fld>
             <a:endParaRPr lang="es-PE"/>
           </a:p>
@@ -2490,7 +2492,7 @@
           <a:p>
             <a:fld id="{9947E4B7-F257-4C4C-887E-FAB8D4174B66}" type="datetimeFigureOut">
               <a:rPr lang="es-PE" smtClean="0"/>
-              <a:t>21/04/2025</a:t>
+              <a:t>30/04/2025</a:t>
             </a:fld>
             <a:endParaRPr lang="es-PE"/>
           </a:p>
@@ -2632,7 +2634,7 @@
           <a:p>
             <a:fld id="{9947E4B7-F257-4C4C-887E-FAB8D4174B66}" type="datetimeFigureOut">
               <a:rPr lang="es-PE" smtClean="0"/>
-              <a:t>21/04/2025</a:t>
+              <a:t>30/04/2025</a:t>
             </a:fld>
             <a:endParaRPr lang="es-PE"/>
           </a:p>
@@ -2745,7 +2747,7 @@
           <a:p>
             <a:fld id="{9947E4B7-F257-4C4C-887E-FAB8D4174B66}" type="datetimeFigureOut">
               <a:rPr lang="es-PE" smtClean="0"/>
-              <a:t>21/04/2025</a:t>
+              <a:t>30/04/2025</a:t>
             </a:fld>
             <a:endParaRPr lang="es-PE"/>
           </a:p>
@@ -3058,7 +3060,7 @@
           <a:p>
             <a:fld id="{9947E4B7-F257-4C4C-887E-FAB8D4174B66}" type="datetimeFigureOut">
               <a:rPr lang="es-PE" smtClean="0"/>
-              <a:t>21/04/2025</a:t>
+              <a:t>30/04/2025</a:t>
             </a:fld>
             <a:endParaRPr lang="es-PE"/>
           </a:p>
@@ -3351,7 +3353,7 @@
           <a:p>
             <a:fld id="{9947E4B7-F257-4C4C-887E-FAB8D4174B66}" type="datetimeFigureOut">
               <a:rPr lang="es-PE" smtClean="0"/>
-              <a:t>21/04/2025</a:t>
+              <a:t>30/04/2025</a:t>
             </a:fld>
             <a:endParaRPr lang="es-PE"/>
           </a:p>
@@ -3594,7 +3596,7 @@
           <a:p>
             <a:fld id="{9947E4B7-F257-4C4C-887E-FAB8D4174B66}" type="datetimeFigureOut">
               <a:rPr lang="es-PE" smtClean="0"/>
-              <a:t>21/04/2025</a:t>
+              <a:t>30/04/2025</a:t>
             </a:fld>
             <a:endParaRPr lang="es-PE"/>
           </a:p>
@@ -4392,6 +4394,1355 @@
     <p:extLst>
       <p:ext uri="{BB962C8B-B14F-4D97-AF65-F5344CB8AC3E}">
         <p14:creationId xmlns:p14="http://schemas.microsoft.com/office/powerpoint/2010/main" val="1103304893"/>
+      </p:ext>
+    </p:extLst>
+  </p:cSld>
+  <p:clrMapOvr>
+    <a:masterClrMapping/>
+  </p:clrMapOvr>
+</p:sld>
+</file>
+
+<file path=ppt/slides/slide10.xml><?xml version="1.0" encoding="utf-8"?>
+<p:sld xmlns:a="http://schemas.openxmlformats.org/drawingml/2006/main" xmlns:r="http://schemas.openxmlformats.org/officeDocument/2006/relationships" xmlns:p="http://schemas.openxmlformats.org/presentationml/2006/main">
+  <p:cSld>
+    <p:spTree>
+      <p:nvGrpSpPr>
+        <p:cNvPr id="1" name="">
+          <a:extLst>
+            <a:ext uri="{FF2B5EF4-FFF2-40B4-BE49-F238E27FC236}">
+              <a16:creationId xmlns:a16="http://schemas.microsoft.com/office/drawing/2014/main" id="{0C0604C7-2D36-4C9B-3C5E-30D8393D9649}"/>
+            </a:ext>
+          </a:extLst>
+        </p:cNvPr>
+        <p:cNvGrpSpPr/>
+        <p:nvPr/>
+      </p:nvGrpSpPr>
+      <p:grpSpPr>
+        <a:xfrm>
+          <a:off x="0" y="0"/>
+          <a:ext cx="0" cy="0"/>
+          <a:chOff x="0" y="0"/>
+          <a:chExt cx="0" cy="0"/>
+        </a:xfrm>
+      </p:grpSpPr>
+      <p:sp>
+        <p:nvSpPr>
+          <p:cNvPr id="2" name="Título 1">
+            <a:extLst>
+              <a:ext uri="{FF2B5EF4-FFF2-40B4-BE49-F238E27FC236}">
+                <a16:creationId xmlns:a16="http://schemas.microsoft.com/office/drawing/2014/main" id="{8514567D-1C1A-AD4C-C10D-FFC2E39D231B}"/>
+              </a:ext>
+            </a:extLst>
+          </p:cNvPr>
+          <p:cNvSpPr>
+            <a:spLocks noGrp="1"/>
+          </p:cNvSpPr>
+          <p:nvPr>
+            <p:ph type="title"/>
+          </p:nvPr>
+        </p:nvSpPr>
+        <p:spPr/>
+        <p:txBody>
+          <a:bodyPr/>
+          <a:lstStyle/>
+          <a:p>
+            <a:r>
+              <a:rPr lang="es-PE" dirty="0"/>
+              <a:t>Despliegue PROD</a:t>
+            </a:r>
+          </a:p>
+        </p:txBody>
+      </p:sp>
+      <p:sp>
+        <p:nvSpPr>
+          <p:cNvPr id="4" name="CuadroTexto 3">
+            <a:extLst>
+              <a:ext uri="{FF2B5EF4-FFF2-40B4-BE49-F238E27FC236}">
+                <a16:creationId xmlns:a16="http://schemas.microsoft.com/office/drawing/2014/main" id="{7CF06588-885F-5D4E-B8F0-9CE98C02F9DF}"/>
+              </a:ext>
+            </a:extLst>
+          </p:cNvPr>
+          <p:cNvSpPr txBox="1"/>
+          <p:nvPr/>
+        </p:nvSpPr>
+        <p:spPr>
+          <a:xfrm>
+            <a:off x="701963" y="4220464"/>
+            <a:ext cx="2334422" cy="369332"/>
+          </a:xfrm>
+          <a:prstGeom prst="rect">
+            <a:avLst/>
+          </a:prstGeom>
+          <a:noFill/>
+        </p:spPr>
+        <p:txBody>
+          <a:bodyPr wrap="none" rtlCol="0">
+            <a:spAutoFit/>
+          </a:bodyPr>
+          <a:lstStyle/>
+          <a:p>
+            <a:r>
+              <a:rPr lang="es-PE" b="1" dirty="0"/>
+              <a:t>cuentas-SNAPSHOT.jar</a:t>
+            </a:r>
+          </a:p>
+        </p:txBody>
+      </p:sp>
+      <p:sp>
+        <p:nvSpPr>
+          <p:cNvPr id="6" name="CuadroTexto 5">
+            <a:extLst>
+              <a:ext uri="{FF2B5EF4-FFF2-40B4-BE49-F238E27FC236}">
+                <a16:creationId xmlns:a16="http://schemas.microsoft.com/office/drawing/2014/main" id="{3C4FE703-6BD5-0618-4A3C-2E67F470F825}"/>
+              </a:ext>
+            </a:extLst>
+          </p:cNvPr>
+          <p:cNvSpPr txBox="1"/>
+          <p:nvPr/>
+        </p:nvSpPr>
+        <p:spPr>
+          <a:xfrm>
+            <a:off x="701963" y="3316533"/>
+            <a:ext cx="1548244" cy="369332"/>
+          </a:xfrm>
+          <a:prstGeom prst="rect">
+            <a:avLst/>
+          </a:prstGeom>
+          <a:noFill/>
+        </p:spPr>
+        <p:txBody>
+          <a:bodyPr wrap="none" rtlCol="0">
+            <a:spAutoFit/>
+          </a:bodyPr>
+          <a:lstStyle/>
+          <a:p>
+            <a:r>
+              <a:rPr lang="es-PE" b="1" dirty="0">
+                <a:solidFill>
+                  <a:srgbClr val="0070C0"/>
+                </a:solidFill>
+              </a:rPr>
+              <a:t>$mvn package</a:t>
+            </a:r>
+          </a:p>
+        </p:txBody>
+      </p:sp>
+      <p:cxnSp>
+        <p:nvCxnSpPr>
+          <p:cNvPr id="8" name="Conector recto 7">
+            <a:extLst>
+              <a:ext uri="{FF2B5EF4-FFF2-40B4-BE49-F238E27FC236}">
+                <a16:creationId xmlns:a16="http://schemas.microsoft.com/office/drawing/2014/main" id="{1B38456B-5ED8-8312-1C53-87B2068F76C8}"/>
+              </a:ext>
+            </a:extLst>
+          </p:cNvPr>
+          <p:cNvCxnSpPr>
+            <a:cxnSpLocks/>
+          </p:cNvCxnSpPr>
+          <p:nvPr/>
+        </p:nvCxnSpPr>
+        <p:spPr>
+          <a:xfrm>
+            <a:off x="838200" y="3953164"/>
+            <a:ext cx="10515600" cy="0"/>
+          </a:xfrm>
+          <a:prstGeom prst="line">
+            <a:avLst/>
+          </a:prstGeom>
+        </p:spPr>
+        <p:style>
+          <a:lnRef idx="1">
+            <a:schemeClr val="accent1"/>
+          </a:lnRef>
+          <a:fillRef idx="0">
+            <a:schemeClr val="accent1"/>
+          </a:fillRef>
+          <a:effectRef idx="0">
+            <a:schemeClr val="accent1"/>
+          </a:effectRef>
+          <a:fontRef idx="minor">
+            <a:schemeClr val="tx1"/>
+          </a:fontRef>
+        </p:style>
+      </p:cxnSp>
+      <p:sp>
+        <p:nvSpPr>
+          <p:cNvPr id="10" name="Elipse 9">
+            <a:extLst>
+              <a:ext uri="{FF2B5EF4-FFF2-40B4-BE49-F238E27FC236}">
+                <a16:creationId xmlns:a16="http://schemas.microsoft.com/office/drawing/2014/main" id="{3908D35A-840C-9B83-F465-7124771D665E}"/>
+              </a:ext>
+            </a:extLst>
+          </p:cNvPr>
+          <p:cNvSpPr/>
+          <p:nvPr/>
+        </p:nvSpPr>
+        <p:spPr>
+          <a:xfrm>
+            <a:off x="838200" y="3735835"/>
+            <a:ext cx="406400" cy="350979"/>
+          </a:xfrm>
+          <a:prstGeom prst="ellipse">
+            <a:avLst/>
+          </a:prstGeom>
+        </p:spPr>
+        <p:style>
+          <a:lnRef idx="0">
+            <a:schemeClr val="accent2"/>
+          </a:lnRef>
+          <a:fillRef idx="3">
+            <a:schemeClr val="accent2"/>
+          </a:fillRef>
+          <a:effectRef idx="3">
+            <a:schemeClr val="accent2"/>
+          </a:effectRef>
+          <a:fontRef idx="minor">
+            <a:schemeClr val="lt1"/>
+          </a:fontRef>
+        </p:style>
+        <p:txBody>
+          <a:bodyPr rtlCol="0" anchor="ctr"/>
+          <a:lstStyle/>
+          <a:p>
+            <a:pPr algn="ctr"/>
+            <a:endParaRPr lang="es-PE"/>
+          </a:p>
+        </p:txBody>
+      </p:sp>
+      <p:sp>
+        <p:nvSpPr>
+          <p:cNvPr id="11" name="Elipse 10">
+            <a:extLst>
+              <a:ext uri="{FF2B5EF4-FFF2-40B4-BE49-F238E27FC236}">
+                <a16:creationId xmlns:a16="http://schemas.microsoft.com/office/drawing/2014/main" id="{48384F3C-B2F1-4E3C-86DC-591AE5FFBCA0}"/>
+              </a:ext>
+            </a:extLst>
+          </p:cNvPr>
+          <p:cNvSpPr/>
+          <p:nvPr/>
+        </p:nvSpPr>
+        <p:spPr>
+          <a:xfrm>
+            <a:off x="3650673" y="3735835"/>
+            <a:ext cx="406400" cy="350979"/>
+          </a:xfrm>
+          <a:prstGeom prst="ellipse">
+            <a:avLst/>
+          </a:prstGeom>
+        </p:spPr>
+        <p:style>
+          <a:lnRef idx="0">
+            <a:schemeClr val="accent2"/>
+          </a:lnRef>
+          <a:fillRef idx="3">
+            <a:schemeClr val="accent2"/>
+          </a:fillRef>
+          <a:effectRef idx="3">
+            <a:schemeClr val="accent2"/>
+          </a:effectRef>
+          <a:fontRef idx="minor">
+            <a:schemeClr val="lt1"/>
+          </a:fontRef>
+        </p:style>
+        <p:txBody>
+          <a:bodyPr rtlCol="0" anchor="ctr"/>
+          <a:lstStyle/>
+          <a:p>
+            <a:pPr algn="ctr"/>
+            <a:endParaRPr lang="es-PE"/>
+          </a:p>
+        </p:txBody>
+      </p:sp>
+      <p:sp>
+        <p:nvSpPr>
+          <p:cNvPr id="12" name="CuadroTexto 11">
+            <a:extLst>
+              <a:ext uri="{FF2B5EF4-FFF2-40B4-BE49-F238E27FC236}">
+                <a16:creationId xmlns:a16="http://schemas.microsoft.com/office/drawing/2014/main" id="{F678E676-70B1-D061-7D56-7338F127B251}"/>
+              </a:ext>
+            </a:extLst>
+          </p:cNvPr>
+          <p:cNvSpPr txBox="1"/>
+          <p:nvPr/>
+        </p:nvSpPr>
+        <p:spPr>
+          <a:xfrm>
+            <a:off x="3521364" y="3257839"/>
+            <a:ext cx="2728889" cy="369332"/>
+          </a:xfrm>
+          <a:prstGeom prst="rect">
+            <a:avLst/>
+          </a:prstGeom>
+          <a:noFill/>
+        </p:spPr>
+        <p:txBody>
+          <a:bodyPr wrap="none" rtlCol="0">
+            <a:spAutoFit/>
+          </a:bodyPr>
+          <a:lstStyle/>
+          <a:p>
+            <a:r>
+              <a:rPr lang="es-PE" b="1" dirty="0">
+                <a:solidFill>
+                  <a:srgbClr val="0070C0"/>
+                </a:solidFill>
+              </a:rPr>
+              <a:t>$</a:t>
+            </a:r>
+            <a:r>
+              <a:rPr lang="es-PE" b="1" dirty="0" err="1">
+                <a:solidFill>
+                  <a:srgbClr val="0070C0"/>
+                </a:solidFill>
+              </a:rPr>
+              <a:t>docker</a:t>
+            </a:r>
+            <a:r>
+              <a:rPr lang="es-PE" b="1" dirty="0">
+                <a:solidFill>
+                  <a:srgbClr val="0070C0"/>
+                </a:solidFill>
+              </a:rPr>
+              <a:t> build –t </a:t>
+            </a:r>
+            <a:r>
+              <a:rPr lang="es-PE" b="1" dirty="0" err="1">
+                <a:solidFill>
+                  <a:srgbClr val="0070C0"/>
+                </a:solidFill>
+              </a:rPr>
+              <a:t>dockerfile</a:t>
+            </a:r>
+            <a:endParaRPr lang="es-PE" b="1" dirty="0">
+              <a:solidFill>
+                <a:srgbClr val="0070C0"/>
+              </a:solidFill>
+            </a:endParaRPr>
+          </a:p>
+        </p:txBody>
+      </p:sp>
+      <p:sp>
+        <p:nvSpPr>
+          <p:cNvPr id="13" name="Cubo 12">
+            <a:extLst>
+              <a:ext uri="{FF2B5EF4-FFF2-40B4-BE49-F238E27FC236}">
+                <a16:creationId xmlns:a16="http://schemas.microsoft.com/office/drawing/2014/main" id="{CE50F059-F8C6-5270-BDD5-1D4B0849FA3A}"/>
+              </a:ext>
+            </a:extLst>
+          </p:cNvPr>
+          <p:cNvSpPr/>
+          <p:nvPr/>
+        </p:nvSpPr>
+        <p:spPr>
+          <a:xfrm>
+            <a:off x="4885808" y="1468582"/>
+            <a:ext cx="886919" cy="1521958"/>
+          </a:xfrm>
+          <a:prstGeom prst="cube">
+            <a:avLst/>
+          </a:prstGeom>
+        </p:spPr>
+        <p:style>
+          <a:lnRef idx="3">
+            <a:schemeClr val="lt1"/>
+          </a:lnRef>
+          <a:fillRef idx="1">
+            <a:schemeClr val="accent6"/>
+          </a:fillRef>
+          <a:effectRef idx="1">
+            <a:schemeClr val="accent6"/>
+          </a:effectRef>
+          <a:fontRef idx="minor">
+            <a:schemeClr val="lt1"/>
+          </a:fontRef>
+        </p:style>
+        <p:txBody>
+          <a:bodyPr rtlCol="0" anchor="ctr"/>
+          <a:lstStyle/>
+          <a:p>
+            <a:pPr algn="ctr"/>
+            <a:endParaRPr lang="es-PE"/>
+          </a:p>
+        </p:txBody>
+      </p:sp>
+      <p:sp>
+        <p:nvSpPr>
+          <p:cNvPr id="14" name="Elipse 13">
+            <a:extLst>
+              <a:ext uri="{FF2B5EF4-FFF2-40B4-BE49-F238E27FC236}">
+                <a16:creationId xmlns:a16="http://schemas.microsoft.com/office/drawing/2014/main" id="{A2782372-C591-6F9E-0C2A-8337F12596AD}"/>
+              </a:ext>
+            </a:extLst>
+          </p:cNvPr>
+          <p:cNvSpPr/>
+          <p:nvPr/>
+        </p:nvSpPr>
+        <p:spPr>
+          <a:xfrm>
+            <a:off x="4978400" y="1865745"/>
+            <a:ext cx="563418" cy="332510"/>
+          </a:xfrm>
+          <a:prstGeom prst="ellipse">
+            <a:avLst/>
+          </a:prstGeom>
+          <a:solidFill>
+            <a:srgbClr val="00B0F0"/>
+          </a:solidFill>
+        </p:spPr>
+        <p:style>
+          <a:lnRef idx="2">
+            <a:schemeClr val="accent5">
+              <a:shade val="15000"/>
+            </a:schemeClr>
+          </a:lnRef>
+          <a:fillRef idx="1">
+            <a:schemeClr val="accent5"/>
+          </a:fillRef>
+          <a:effectRef idx="0">
+            <a:schemeClr val="accent5"/>
+          </a:effectRef>
+          <a:fontRef idx="minor">
+            <a:schemeClr val="lt1"/>
+          </a:fontRef>
+        </p:style>
+        <p:txBody>
+          <a:bodyPr rtlCol="0" anchor="ctr"/>
+          <a:lstStyle/>
+          <a:p>
+            <a:pPr algn="ctr"/>
+            <a:endParaRPr lang="es-PE"/>
+          </a:p>
+        </p:txBody>
+      </p:sp>
+      <p:sp>
+        <p:nvSpPr>
+          <p:cNvPr id="15" name="Elipse 14">
+            <a:extLst>
+              <a:ext uri="{FF2B5EF4-FFF2-40B4-BE49-F238E27FC236}">
+                <a16:creationId xmlns:a16="http://schemas.microsoft.com/office/drawing/2014/main" id="{DE6ACCB3-7E66-ADFD-77E1-73E248717BC2}"/>
+              </a:ext>
+            </a:extLst>
+          </p:cNvPr>
+          <p:cNvSpPr/>
+          <p:nvPr/>
+        </p:nvSpPr>
+        <p:spPr>
+          <a:xfrm>
+            <a:off x="6638636" y="3777674"/>
+            <a:ext cx="406400" cy="350979"/>
+          </a:xfrm>
+          <a:prstGeom prst="ellipse">
+            <a:avLst/>
+          </a:prstGeom>
+        </p:spPr>
+        <p:style>
+          <a:lnRef idx="0">
+            <a:schemeClr val="accent2"/>
+          </a:lnRef>
+          <a:fillRef idx="3">
+            <a:schemeClr val="accent2"/>
+          </a:fillRef>
+          <a:effectRef idx="3">
+            <a:schemeClr val="accent2"/>
+          </a:effectRef>
+          <a:fontRef idx="minor">
+            <a:schemeClr val="lt1"/>
+          </a:fontRef>
+        </p:style>
+        <p:txBody>
+          <a:bodyPr rtlCol="0" anchor="ctr"/>
+          <a:lstStyle/>
+          <a:p>
+            <a:pPr algn="ctr"/>
+            <a:endParaRPr lang="es-PE"/>
+          </a:p>
+        </p:txBody>
+      </p:sp>
+      <p:sp>
+        <p:nvSpPr>
+          <p:cNvPr id="23" name="Rectángulo: esquinas redondeadas 22">
+            <a:extLst>
+              <a:ext uri="{FF2B5EF4-FFF2-40B4-BE49-F238E27FC236}">
+                <a16:creationId xmlns:a16="http://schemas.microsoft.com/office/drawing/2014/main" id="{BC256125-9912-69B2-F983-A6BA8A747D07}"/>
+              </a:ext>
+            </a:extLst>
+          </p:cNvPr>
+          <p:cNvSpPr/>
+          <p:nvPr/>
+        </p:nvSpPr>
+        <p:spPr>
+          <a:xfrm>
+            <a:off x="1041400" y="5403273"/>
+            <a:ext cx="1073727" cy="545068"/>
+          </a:xfrm>
+          <a:prstGeom prst="roundRect">
+            <a:avLst/>
+          </a:prstGeom>
+        </p:spPr>
+        <p:style>
+          <a:lnRef idx="2">
+            <a:schemeClr val="accent1">
+              <a:shade val="15000"/>
+            </a:schemeClr>
+          </a:lnRef>
+          <a:fillRef idx="1">
+            <a:schemeClr val="accent1"/>
+          </a:fillRef>
+          <a:effectRef idx="0">
+            <a:schemeClr val="accent1"/>
+          </a:effectRef>
+          <a:fontRef idx="minor">
+            <a:schemeClr val="lt1"/>
+          </a:fontRef>
+        </p:style>
+        <p:txBody>
+          <a:bodyPr rtlCol="0" anchor="ctr"/>
+          <a:lstStyle/>
+          <a:p>
+            <a:pPr algn="ctr"/>
+            <a:endParaRPr lang="es-PE"/>
+          </a:p>
+        </p:txBody>
+      </p:sp>
+      <p:sp>
+        <p:nvSpPr>
+          <p:cNvPr id="24" name="CuadroTexto 23">
+            <a:extLst>
+              <a:ext uri="{FF2B5EF4-FFF2-40B4-BE49-F238E27FC236}">
+                <a16:creationId xmlns:a16="http://schemas.microsoft.com/office/drawing/2014/main" id="{4851D5E3-10D2-0924-D55E-1CD41404F77D}"/>
+              </a:ext>
+            </a:extLst>
+          </p:cNvPr>
+          <p:cNvSpPr txBox="1"/>
+          <p:nvPr/>
+        </p:nvSpPr>
+        <p:spPr>
+          <a:xfrm>
+            <a:off x="838200" y="4969164"/>
+            <a:ext cx="2235868" cy="369332"/>
+          </a:xfrm>
+          <a:prstGeom prst="rect">
+            <a:avLst/>
+          </a:prstGeom>
+          <a:noFill/>
+        </p:spPr>
+        <p:txBody>
+          <a:bodyPr wrap="none" rtlCol="0">
+            <a:spAutoFit/>
+          </a:bodyPr>
+          <a:lstStyle/>
+          <a:p>
+            <a:r>
+              <a:rPr lang="es-PE" dirty="0">
+                <a:solidFill>
+                  <a:srgbClr val="0070C0"/>
+                </a:solidFill>
+              </a:rPr>
+              <a:t>$mvn </a:t>
+            </a:r>
+            <a:r>
+              <a:rPr lang="es-PE" dirty="0" err="1">
+                <a:solidFill>
+                  <a:srgbClr val="0070C0"/>
+                </a:solidFill>
+              </a:rPr>
+              <a:t>spring-boot:run</a:t>
+            </a:r>
+            <a:endParaRPr lang="es-PE" dirty="0">
+              <a:solidFill>
+                <a:srgbClr val="0070C0"/>
+              </a:solidFill>
+            </a:endParaRPr>
+          </a:p>
+        </p:txBody>
+      </p:sp>
+      <p:sp>
+        <p:nvSpPr>
+          <p:cNvPr id="25" name="Rectángulo: esquinas redondeadas 24">
+            <a:extLst>
+              <a:ext uri="{FF2B5EF4-FFF2-40B4-BE49-F238E27FC236}">
+                <a16:creationId xmlns:a16="http://schemas.microsoft.com/office/drawing/2014/main" id="{336D309E-AD0E-6BA0-6E45-ED75D2C54FC9}"/>
+              </a:ext>
+            </a:extLst>
+          </p:cNvPr>
+          <p:cNvSpPr/>
+          <p:nvPr/>
+        </p:nvSpPr>
+        <p:spPr>
+          <a:xfrm>
+            <a:off x="1153390" y="5522513"/>
+            <a:ext cx="424873" cy="267299"/>
+          </a:xfrm>
+          <a:prstGeom prst="roundRect">
+            <a:avLst/>
+          </a:prstGeom>
+        </p:spPr>
+        <p:style>
+          <a:lnRef idx="2">
+            <a:schemeClr val="accent4">
+              <a:shade val="15000"/>
+            </a:schemeClr>
+          </a:lnRef>
+          <a:fillRef idx="1">
+            <a:schemeClr val="accent4"/>
+          </a:fillRef>
+          <a:effectRef idx="0">
+            <a:schemeClr val="accent4"/>
+          </a:effectRef>
+          <a:fontRef idx="minor">
+            <a:schemeClr val="lt1"/>
+          </a:fontRef>
+        </p:style>
+        <p:txBody>
+          <a:bodyPr rtlCol="0" anchor="ctr"/>
+          <a:lstStyle/>
+          <a:p>
+            <a:pPr algn="ctr"/>
+            <a:endParaRPr lang="es-PE"/>
+          </a:p>
+        </p:txBody>
+      </p:sp>
+      <p:sp>
+        <p:nvSpPr>
+          <p:cNvPr id="26" name="CuadroTexto 25">
+            <a:extLst>
+              <a:ext uri="{FF2B5EF4-FFF2-40B4-BE49-F238E27FC236}">
+                <a16:creationId xmlns:a16="http://schemas.microsoft.com/office/drawing/2014/main" id="{FC9CADF4-F5B5-74E6-DED2-F944F4766749}"/>
+              </a:ext>
+            </a:extLst>
+          </p:cNvPr>
+          <p:cNvSpPr txBox="1"/>
+          <p:nvPr/>
+        </p:nvSpPr>
+        <p:spPr>
+          <a:xfrm>
+            <a:off x="1154845" y="5946953"/>
+            <a:ext cx="846835" cy="369332"/>
+          </a:xfrm>
+          <a:prstGeom prst="rect">
+            <a:avLst/>
+          </a:prstGeom>
+          <a:noFill/>
+        </p:spPr>
+        <p:txBody>
+          <a:bodyPr wrap="none" rtlCol="0">
+            <a:spAutoFit/>
+          </a:bodyPr>
+          <a:lstStyle/>
+          <a:p>
+            <a:r>
+              <a:rPr lang="es-PE" dirty="0" err="1"/>
+              <a:t>tomcat</a:t>
+            </a:r>
+            <a:endParaRPr lang="es-PE" dirty="0"/>
+          </a:p>
+        </p:txBody>
+      </p:sp>
+      <p:sp>
+        <p:nvSpPr>
+          <p:cNvPr id="3" name="Cubo 2">
+            <a:extLst>
+              <a:ext uri="{FF2B5EF4-FFF2-40B4-BE49-F238E27FC236}">
+                <a16:creationId xmlns:a16="http://schemas.microsoft.com/office/drawing/2014/main" id="{546B8B0B-230B-BC1F-0AC5-B26006082B17}"/>
+              </a:ext>
+            </a:extLst>
+          </p:cNvPr>
+          <p:cNvSpPr/>
+          <p:nvPr/>
+        </p:nvSpPr>
+        <p:spPr>
+          <a:xfrm>
+            <a:off x="7605917" y="1382878"/>
+            <a:ext cx="886919" cy="1521958"/>
+          </a:xfrm>
+          <a:prstGeom prst="cube">
+            <a:avLst/>
+          </a:prstGeom>
+          <a:solidFill>
+            <a:schemeClr val="tx1"/>
+          </a:solidFill>
+        </p:spPr>
+        <p:style>
+          <a:lnRef idx="3">
+            <a:schemeClr val="lt1"/>
+          </a:lnRef>
+          <a:fillRef idx="1">
+            <a:schemeClr val="accent6"/>
+          </a:fillRef>
+          <a:effectRef idx="1">
+            <a:schemeClr val="accent6"/>
+          </a:effectRef>
+          <a:fontRef idx="minor">
+            <a:schemeClr val="lt1"/>
+          </a:fontRef>
+        </p:style>
+        <p:txBody>
+          <a:bodyPr rtlCol="0" anchor="ctr"/>
+          <a:lstStyle/>
+          <a:p>
+            <a:pPr algn="ctr"/>
+            <a:endParaRPr lang="es-PE"/>
+          </a:p>
+        </p:txBody>
+      </p:sp>
+      <p:sp>
+        <p:nvSpPr>
+          <p:cNvPr id="5" name="Cubo 4">
+            <a:extLst>
+              <a:ext uri="{FF2B5EF4-FFF2-40B4-BE49-F238E27FC236}">
+                <a16:creationId xmlns:a16="http://schemas.microsoft.com/office/drawing/2014/main" id="{C4635BB2-3E7F-7AB9-D2BE-5E22BB913859}"/>
+              </a:ext>
+            </a:extLst>
+          </p:cNvPr>
+          <p:cNvSpPr/>
+          <p:nvPr/>
+        </p:nvSpPr>
+        <p:spPr>
+          <a:xfrm>
+            <a:off x="8629884" y="1299968"/>
+            <a:ext cx="886919" cy="1521958"/>
+          </a:xfrm>
+          <a:prstGeom prst="cube">
+            <a:avLst/>
+          </a:prstGeom>
+        </p:spPr>
+        <p:style>
+          <a:lnRef idx="3">
+            <a:schemeClr val="lt1"/>
+          </a:lnRef>
+          <a:fillRef idx="1">
+            <a:schemeClr val="accent6"/>
+          </a:fillRef>
+          <a:effectRef idx="1">
+            <a:schemeClr val="accent6"/>
+          </a:effectRef>
+          <a:fontRef idx="minor">
+            <a:schemeClr val="lt1"/>
+          </a:fontRef>
+        </p:style>
+        <p:txBody>
+          <a:bodyPr rtlCol="0" anchor="ctr"/>
+          <a:lstStyle/>
+          <a:p>
+            <a:pPr algn="ctr"/>
+            <a:endParaRPr lang="es-PE"/>
+          </a:p>
+        </p:txBody>
+      </p:sp>
+      <p:sp>
+        <p:nvSpPr>
+          <p:cNvPr id="7" name="Cubo 6">
+            <a:extLst>
+              <a:ext uri="{FF2B5EF4-FFF2-40B4-BE49-F238E27FC236}">
+                <a16:creationId xmlns:a16="http://schemas.microsoft.com/office/drawing/2014/main" id="{33FD216F-94E3-F917-4F9C-8BD4CBA7CD9E}"/>
+              </a:ext>
+            </a:extLst>
+          </p:cNvPr>
+          <p:cNvSpPr/>
+          <p:nvPr/>
+        </p:nvSpPr>
+        <p:spPr>
+          <a:xfrm>
+            <a:off x="9681560" y="1271021"/>
+            <a:ext cx="886919" cy="1521958"/>
+          </a:xfrm>
+          <a:prstGeom prst="cube">
+            <a:avLst/>
+          </a:prstGeom>
+        </p:spPr>
+        <p:style>
+          <a:lnRef idx="3">
+            <a:schemeClr val="lt1"/>
+          </a:lnRef>
+          <a:fillRef idx="1">
+            <a:schemeClr val="accent6"/>
+          </a:fillRef>
+          <a:effectRef idx="1">
+            <a:schemeClr val="accent6"/>
+          </a:effectRef>
+          <a:fontRef idx="minor">
+            <a:schemeClr val="lt1"/>
+          </a:fontRef>
+        </p:style>
+        <p:txBody>
+          <a:bodyPr rtlCol="0" anchor="ctr"/>
+          <a:lstStyle/>
+          <a:p>
+            <a:pPr algn="ctr"/>
+            <a:endParaRPr lang="es-PE"/>
+          </a:p>
+        </p:txBody>
+      </p:sp>
+      <p:sp>
+        <p:nvSpPr>
+          <p:cNvPr id="9" name="CuadroTexto 8">
+            <a:extLst>
+              <a:ext uri="{FF2B5EF4-FFF2-40B4-BE49-F238E27FC236}">
+                <a16:creationId xmlns:a16="http://schemas.microsoft.com/office/drawing/2014/main" id="{EE66FC11-8303-9D63-D574-01E8F2845236}"/>
+              </a:ext>
+            </a:extLst>
+          </p:cNvPr>
+          <p:cNvSpPr txBox="1"/>
+          <p:nvPr/>
+        </p:nvSpPr>
+        <p:spPr>
+          <a:xfrm>
+            <a:off x="8591438" y="3109871"/>
+            <a:ext cx="1296317" cy="1477328"/>
+          </a:xfrm>
+          <a:prstGeom prst="rect">
+            <a:avLst/>
+          </a:prstGeom>
+          <a:noFill/>
+        </p:spPr>
+        <p:txBody>
+          <a:bodyPr wrap="none" rtlCol="0">
+            <a:spAutoFit/>
+          </a:bodyPr>
+          <a:lstStyle/>
+          <a:p>
+            <a:r>
+              <a:rPr lang="es-PE" dirty="0"/>
+              <a:t>Kubernetes</a:t>
+            </a:r>
+          </a:p>
+          <a:p>
+            <a:r>
+              <a:rPr lang="es-PE" dirty="0"/>
+              <a:t>+ </a:t>
+            </a:r>
+            <a:r>
+              <a:rPr lang="es-PE" b="1" dirty="0">
+                <a:solidFill>
+                  <a:srgbClr val="FF0000"/>
+                </a:solidFill>
+              </a:rPr>
+              <a:t>Openshift</a:t>
+            </a:r>
+          </a:p>
+          <a:p>
+            <a:r>
+              <a:rPr lang="es-PE" dirty="0"/>
+              <a:t>+ </a:t>
+            </a:r>
+            <a:r>
+              <a:rPr lang="es-PE" b="1" dirty="0"/>
+              <a:t>Tanzu</a:t>
+            </a:r>
+          </a:p>
+          <a:p>
+            <a:r>
+              <a:rPr lang="es-PE" dirty="0"/>
+              <a:t>+ Verrazano</a:t>
+            </a:r>
+          </a:p>
+          <a:p>
+            <a:r>
+              <a:rPr lang="es-PE" dirty="0"/>
+              <a:t>+ Rancher</a:t>
+            </a:r>
+          </a:p>
+        </p:txBody>
+      </p:sp>
+      <p:sp>
+        <p:nvSpPr>
+          <p:cNvPr id="28" name="Elipse 27">
+            <a:extLst>
+              <a:ext uri="{FF2B5EF4-FFF2-40B4-BE49-F238E27FC236}">
+                <a16:creationId xmlns:a16="http://schemas.microsoft.com/office/drawing/2014/main" id="{2AD27D43-FE56-D279-C643-07ECDB7650BE}"/>
+              </a:ext>
+            </a:extLst>
+          </p:cNvPr>
+          <p:cNvSpPr/>
+          <p:nvPr/>
+        </p:nvSpPr>
+        <p:spPr>
+          <a:xfrm>
+            <a:off x="7721600" y="1865745"/>
+            <a:ext cx="544945" cy="434110"/>
+          </a:xfrm>
+          <a:prstGeom prst="ellipse">
+            <a:avLst/>
+          </a:prstGeom>
+        </p:spPr>
+        <p:style>
+          <a:lnRef idx="3">
+            <a:schemeClr val="lt1"/>
+          </a:lnRef>
+          <a:fillRef idx="1">
+            <a:schemeClr val="accent4"/>
+          </a:fillRef>
+          <a:effectRef idx="1">
+            <a:schemeClr val="accent4"/>
+          </a:effectRef>
+          <a:fontRef idx="minor">
+            <a:schemeClr val="lt1"/>
+          </a:fontRef>
+        </p:style>
+        <p:txBody>
+          <a:bodyPr rtlCol="0" anchor="ctr"/>
+          <a:lstStyle/>
+          <a:p>
+            <a:pPr algn="ctr"/>
+            <a:endParaRPr lang="es-PE"/>
+          </a:p>
+        </p:txBody>
+      </p:sp>
+      <p:sp>
+        <p:nvSpPr>
+          <p:cNvPr id="29" name="Elipse 28">
+            <a:extLst>
+              <a:ext uri="{FF2B5EF4-FFF2-40B4-BE49-F238E27FC236}">
+                <a16:creationId xmlns:a16="http://schemas.microsoft.com/office/drawing/2014/main" id="{43E241D4-8584-0824-EF2D-E72FD4A35C74}"/>
+              </a:ext>
+            </a:extLst>
+          </p:cNvPr>
+          <p:cNvSpPr/>
+          <p:nvPr/>
+        </p:nvSpPr>
+        <p:spPr>
+          <a:xfrm>
+            <a:off x="8694651" y="1878614"/>
+            <a:ext cx="544945" cy="434110"/>
+          </a:xfrm>
+          <a:prstGeom prst="ellipse">
+            <a:avLst/>
+          </a:prstGeom>
+        </p:spPr>
+        <p:style>
+          <a:lnRef idx="3">
+            <a:schemeClr val="lt1"/>
+          </a:lnRef>
+          <a:fillRef idx="1">
+            <a:schemeClr val="accent4"/>
+          </a:fillRef>
+          <a:effectRef idx="1">
+            <a:schemeClr val="accent4"/>
+          </a:effectRef>
+          <a:fontRef idx="minor">
+            <a:schemeClr val="lt1"/>
+          </a:fontRef>
+        </p:style>
+        <p:txBody>
+          <a:bodyPr rtlCol="0" anchor="ctr"/>
+          <a:lstStyle/>
+          <a:p>
+            <a:pPr algn="ctr"/>
+            <a:endParaRPr lang="es-PE"/>
+          </a:p>
+        </p:txBody>
+      </p:sp>
+      <p:sp>
+        <p:nvSpPr>
+          <p:cNvPr id="30" name="Elipse 29">
+            <a:extLst>
+              <a:ext uri="{FF2B5EF4-FFF2-40B4-BE49-F238E27FC236}">
+                <a16:creationId xmlns:a16="http://schemas.microsoft.com/office/drawing/2014/main" id="{C5677810-FD7B-7885-FC29-70EFE8DC85D9}"/>
+              </a:ext>
+            </a:extLst>
+          </p:cNvPr>
+          <p:cNvSpPr/>
+          <p:nvPr/>
+        </p:nvSpPr>
+        <p:spPr>
+          <a:xfrm>
+            <a:off x="9767226" y="1823098"/>
+            <a:ext cx="544945" cy="434110"/>
+          </a:xfrm>
+          <a:prstGeom prst="ellipse">
+            <a:avLst/>
+          </a:prstGeom>
+        </p:spPr>
+        <p:style>
+          <a:lnRef idx="3">
+            <a:schemeClr val="lt1"/>
+          </a:lnRef>
+          <a:fillRef idx="1">
+            <a:schemeClr val="accent4"/>
+          </a:fillRef>
+          <a:effectRef idx="1">
+            <a:schemeClr val="accent4"/>
+          </a:effectRef>
+          <a:fontRef idx="minor">
+            <a:schemeClr val="lt1"/>
+          </a:fontRef>
+        </p:style>
+        <p:txBody>
+          <a:bodyPr rtlCol="0" anchor="ctr"/>
+          <a:lstStyle/>
+          <a:p>
+            <a:pPr algn="ctr"/>
+            <a:endParaRPr lang="es-PE"/>
+          </a:p>
+        </p:txBody>
+      </p:sp>
+      <p:sp>
+        <p:nvSpPr>
+          <p:cNvPr id="31" name="CuadroTexto 30">
+            <a:extLst>
+              <a:ext uri="{FF2B5EF4-FFF2-40B4-BE49-F238E27FC236}">
+                <a16:creationId xmlns:a16="http://schemas.microsoft.com/office/drawing/2014/main" id="{8960037D-462D-C1CB-16F6-B00BFA6B888D}"/>
+              </a:ext>
+            </a:extLst>
+          </p:cNvPr>
+          <p:cNvSpPr txBox="1"/>
+          <p:nvPr/>
+        </p:nvSpPr>
+        <p:spPr>
+          <a:xfrm>
+            <a:off x="9762020" y="1479986"/>
+            <a:ext cx="550151" cy="369332"/>
+          </a:xfrm>
+          <a:prstGeom prst="rect">
+            <a:avLst/>
+          </a:prstGeom>
+          <a:noFill/>
+        </p:spPr>
+        <p:txBody>
+          <a:bodyPr wrap="none" rtlCol="0">
+            <a:spAutoFit/>
+          </a:bodyPr>
+          <a:lstStyle/>
+          <a:p>
+            <a:r>
+              <a:rPr lang="es-PE" dirty="0"/>
+              <a:t>pod</a:t>
+            </a:r>
+          </a:p>
+        </p:txBody>
+      </p:sp>
+      <p:sp>
+        <p:nvSpPr>
+          <p:cNvPr id="32" name="Cubo 31">
+            <a:extLst>
+              <a:ext uri="{FF2B5EF4-FFF2-40B4-BE49-F238E27FC236}">
+                <a16:creationId xmlns:a16="http://schemas.microsoft.com/office/drawing/2014/main" id="{EC0406EC-2DB9-C65C-E170-04549A0179C2}"/>
+              </a:ext>
+            </a:extLst>
+          </p:cNvPr>
+          <p:cNvSpPr/>
+          <p:nvPr/>
+        </p:nvSpPr>
+        <p:spPr>
+          <a:xfrm>
+            <a:off x="7887855" y="2032000"/>
+            <a:ext cx="203200" cy="215946"/>
+          </a:xfrm>
+          <a:prstGeom prst="cube">
+            <a:avLst/>
+          </a:prstGeom>
+        </p:spPr>
+        <p:style>
+          <a:lnRef idx="2">
+            <a:schemeClr val="accent1">
+              <a:shade val="15000"/>
+            </a:schemeClr>
+          </a:lnRef>
+          <a:fillRef idx="1">
+            <a:schemeClr val="accent1"/>
+          </a:fillRef>
+          <a:effectRef idx="0">
+            <a:schemeClr val="accent1"/>
+          </a:effectRef>
+          <a:fontRef idx="minor">
+            <a:schemeClr val="lt1"/>
+          </a:fontRef>
+        </p:style>
+        <p:txBody>
+          <a:bodyPr rtlCol="0" anchor="ctr"/>
+          <a:lstStyle/>
+          <a:p>
+            <a:pPr algn="ctr"/>
+            <a:endParaRPr lang="es-PE"/>
+          </a:p>
+        </p:txBody>
+      </p:sp>
+      <p:sp>
+        <p:nvSpPr>
+          <p:cNvPr id="33" name="Cubo 32">
+            <a:extLst>
+              <a:ext uri="{FF2B5EF4-FFF2-40B4-BE49-F238E27FC236}">
+                <a16:creationId xmlns:a16="http://schemas.microsoft.com/office/drawing/2014/main" id="{6AE80B1E-E6A6-46CE-0FC2-E5D38B8FB0C3}"/>
+              </a:ext>
+            </a:extLst>
+          </p:cNvPr>
+          <p:cNvSpPr/>
+          <p:nvPr/>
+        </p:nvSpPr>
+        <p:spPr>
+          <a:xfrm>
+            <a:off x="8866909" y="2032000"/>
+            <a:ext cx="193964" cy="225208"/>
+          </a:xfrm>
+          <a:prstGeom prst="cube">
+            <a:avLst/>
+          </a:prstGeom>
+        </p:spPr>
+        <p:style>
+          <a:lnRef idx="2">
+            <a:schemeClr val="accent1">
+              <a:shade val="15000"/>
+            </a:schemeClr>
+          </a:lnRef>
+          <a:fillRef idx="1">
+            <a:schemeClr val="accent1"/>
+          </a:fillRef>
+          <a:effectRef idx="0">
+            <a:schemeClr val="accent1"/>
+          </a:effectRef>
+          <a:fontRef idx="minor">
+            <a:schemeClr val="lt1"/>
+          </a:fontRef>
+        </p:style>
+        <p:txBody>
+          <a:bodyPr rtlCol="0" anchor="ctr"/>
+          <a:lstStyle/>
+          <a:p>
+            <a:pPr algn="ctr"/>
+            <a:endParaRPr lang="es-PE"/>
+          </a:p>
+        </p:txBody>
+      </p:sp>
+      <p:sp>
+        <p:nvSpPr>
+          <p:cNvPr id="34" name="Cubo 33">
+            <a:extLst>
+              <a:ext uri="{FF2B5EF4-FFF2-40B4-BE49-F238E27FC236}">
+                <a16:creationId xmlns:a16="http://schemas.microsoft.com/office/drawing/2014/main" id="{27EB9617-7160-9B72-B347-768C3F229B5F}"/>
+              </a:ext>
+            </a:extLst>
+          </p:cNvPr>
+          <p:cNvSpPr/>
+          <p:nvPr/>
+        </p:nvSpPr>
+        <p:spPr>
+          <a:xfrm>
+            <a:off x="9887755" y="1878614"/>
+            <a:ext cx="226063" cy="215258"/>
+          </a:xfrm>
+          <a:prstGeom prst="cube">
+            <a:avLst/>
+          </a:prstGeom>
+        </p:spPr>
+        <p:style>
+          <a:lnRef idx="2">
+            <a:schemeClr val="accent1">
+              <a:shade val="15000"/>
+            </a:schemeClr>
+          </a:lnRef>
+          <a:fillRef idx="1">
+            <a:schemeClr val="accent1"/>
+          </a:fillRef>
+          <a:effectRef idx="0">
+            <a:schemeClr val="accent1"/>
+          </a:effectRef>
+          <a:fontRef idx="minor">
+            <a:schemeClr val="lt1"/>
+          </a:fontRef>
+        </p:style>
+        <p:txBody>
+          <a:bodyPr rtlCol="0" anchor="ctr"/>
+          <a:lstStyle/>
+          <a:p>
+            <a:pPr algn="ctr"/>
+            <a:endParaRPr lang="es-PE"/>
+          </a:p>
+        </p:txBody>
+      </p:sp>
+      <p:sp>
+        <p:nvSpPr>
+          <p:cNvPr id="35" name="Diagrama de flujo: documento 34">
+            <a:extLst>
+              <a:ext uri="{FF2B5EF4-FFF2-40B4-BE49-F238E27FC236}">
+                <a16:creationId xmlns:a16="http://schemas.microsoft.com/office/drawing/2014/main" id="{AFBD7C53-7C61-9CF8-338C-8EED5B68C088}"/>
+              </a:ext>
+            </a:extLst>
+          </p:cNvPr>
+          <p:cNvSpPr/>
+          <p:nvPr/>
+        </p:nvSpPr>
+        <p:spPr>
+          <a:xfrm>
+            <a:off x="6733309" y="4304145"/>
+            <a:ext cx="572655" cy="572655"/>
+          </a:xfrm>
+          <a:prstGeom prst="flowChartDocument">
+            <a:avLst/>
+          </a:prstGeom>
+        </p:spPr>
+        <p:style>
+          <a:lnRef idx="1">
+            <a:schemeClr val="accent6"/>
+          </a:lnRef>
+          <a:fillRef idx="2">
+            <a:schemeClr val="accent6"/>
+          </a:fillRef>
+          <a:effectRef idx="1">
+            <a:schemeClr val="accent6"/>
+          </a:effectRef>
+          <a:fontRef idx="minor">
+            <a:schemeClr val="dk1"/>
+          </a:fontRef>
+        </p:style>
+        <p:txBody>
+          <a:bodyPr rtlCol="0" anchor="ctr"/>
+          <a:lstStyle/>
+          <a:p>
+            <a:pPr algn="ctr"/>
+            <a:endParaRPr lang="es-PE" dirty="0"/>
+          </a:p>
+        </p:txBody>
+      </p:sp>
+      <p:sp>
+        <p:nvSpPr>
+          <p:cNvPr id="36" name="CuadroTexto 35">
+            <a:extLst>
+              <a:ext uri="{FF2B5EF4-FFF2-40B4-BE49-F238E27FC236}">
+                <a16:creationId xmlns:a16="http://schemas.microsoft.com/office/drawing/2014/main" id="{FD8356D5-EB56-1965-E310-E67C722DF425}"/>
+              </a:ext>
+            </a:extLst>
+          </p:cNvPr>
+          <p:cNvSpPr txBox="1"/>
+          <p:nvPr/>
+        </p:nvSpPr>
+        <p:spPr>
+          <a:xfrm>
+            <a:off x="6240097" y="4919506"/>
+            <a:ext cx="2035685" cy="369332"/>
+          </a:xfrm>
+          <a:prstGeom prst="rect">
+            <a:avLst/>
+          </a:prstGeom>
+          <a:noFill/>
+        </p:spPr>
+        <p:txBody>
+          <a:bodyPr wrap="none" rtlCol="0">
+            <a:spAutoFit/>
+          </a:bodyPr>
+          <a:lstStyle/>
+          <a:p>
+            <a:r>
+              <a:rPr lang="es-PE" b="1" dirty="0"/>
+              <a:t>cuentas-</a:t>
+            </a:r>
+            <a:r>
+              <a:rPr lang="es-PE" b="1" dirty="0" err="1"/>
+              <a:t>deploy.yml</a:t>
+            </a:r>
+            <a:endParaRPr lang="es-PE" b="1" dirty="0"/>
+          </a:p>
+        </p:txBody>
+      </p:sp>
+      <p:sp>
+        <p:nvSpPr>
+          <p:cNvPr id="37" name="CuadroTexto 36">
+            <a:extLst>
+              <a:ext uri="{FF2B5EF4-FFF2-40B4-BE49-F238E27FC236}">
+                <a16:creationId xmlns:a16="http://schemas.microsoft.com/office/drawing/2014/main" id="{9CB8BA23-5C9C-4CC4-00F9-BCD738CC99D9}"/>
+              </a:ext>
+            </a:extLst>
+          </p:cNvPr>
+          <p:cNvSpPr txBox="1"/>
+          <p:nvPr/>
+        </p:nvSpPr>
+        <p:spPr>
+          <a:xfrm>
+            <a:off x="7605917" y="828470"/>
+            <a:ext cx="2254592" cy="369332"/>
+          </a:xfrm>
+          <a:prstGeom prst="rect">
+            <a:avLst/>
+          </a:prstGeom>
+          <a:noFill/>
+        </p:spPr>
+        <p:txBody>
+          <a:bodyPr wrap="none" rtlCol="0">
+            <a:spAutoFit/>
+          </a:bodyPr>
+          <a:lstStyle/>
+          <a:p>
+            <a:r>
+              <a:rPr lang="es-PE" dirty="0"/>
+              <a:t>Clúster de Kubernetes</a:t>
+            </a:r>
+          </a:p>
+        </p:txBody>
+      </p:sp>
+      <p:sp>
+        <p:nvSpPr>
+          <p:cNvPr id="38" name="CuadroTexto 37">
+            <a:extLst>
+              <a:ext uri="{FF2B5EF4-FFF2-40B4-BE49-F238E27FC236}">
+                <a16:creationId xmlns:a16="http://schemas.microsoft.com/office/drawing/2014/main" id="{3ADBDF3E-2F48-9C56-3078-6D99940B247B}"/>
+              </a:ext>
+            </a:extLst>
+          </p:cNvPr>
+          <p:cNvSpPr txBox="1"/>
+          <p:nvPr/>
+        </p:nvSpPr>
+        <p:spPr>
+          <a:xfrm>
+            <a:off x="6733309" y="1468582"/>
+            <a:ext cx="836832" cy="369332"/>
+          </a:xfrm>
+          <a:prstGeom prst="rect">
+            <a:avLst/>
+          </a:prstGeom>
+          <a:noFill/>
+        </p:spPr>
+        <p:txBody>
+          <a:bodyPr wrap="none" rtlCol="0">
+            <a:spAutoFit/>
+          </a:bodyPr>
+          <a:lstStyle/>
+          <a:p>
+            <a:r>
+              <a:rPr lang="es-PE" dirty="0"/>
+              <a:t>master</a:t>
+            </a:r>
+          </a:p>
+        </p:txBody>
+      </p:sp>
+      <p:sp>
+        <p:nvSpPr>
+          <p:cNvPr id="39" name="CuadroTexto 38">
+            <a:extLst>
+              <a:ext uri="{FF2B5EF4-FFF2-40B4-BE49-F238E27FC236}">
+                <a16:creationId xmlns:a16="http://schemas.microsoft.com/office/drawing/2014/main" id="{1534B8FF-91C0-D121-F596-4E7608BD6985}"/>
+              </a:ext>
+            </a:extLst>
+          </p:cNvPr>
+          <p:cNvSpPr txBox="1"/>
+          <p:nvPr/>
+        </p:nvSpPr>
+        <p:spPr>
+          <a:xfrm>
+            <a:off x="10495067" y="977691"/>
+            <a:ext cx="927754" cy="369332"/>
+          </a:xfrm>
+          <a:prstGeom prst="rect">
+            <a:avLst/>
+          </a:prstGeom>
+          <a:noFill/>
+        </p:spPr>
+        <p:txBody>
+          <a:bodyPr wrap="none" rtlCol="0">
+            <a:spAutoFit/>
+          </a:bodyPr>
+          <a:lstStyle/>
+          <a:p>
+            <a:r>
+              <a:rPr lang="es-PE" dirty="0"/>
+              <a:t>workers</a:t>
+            </a:r>
+          </a:p>
+        </p:txBody>
+      </p:sp>
+    </p:spTree>
+    <p:extLst>
+      <p:ext uri="{BB962C8B-B14F-4D97-AF65-F5344CB8AC3E}">
+        <p14:creationId xmlns:p14="http://schemas.microsoft.com/office/powerpoint/2010/main" val="902435876"/>
       </p:ext>
     </p:extLst>
   </p:cSld>
@@ -7047,6 +8398,1087 @@
 </p:sld>
 </file>
 
+<file path=ppt/slides/slide9.xml><?xml version="1.0" encoding="utf-8"?>
+<p:sld xmlns:a="http://schemas.openxmlformats.org/drawingml/2006/main" xmlns:r="http://schemas.openxmlformats.org/officeDocument/2006/relationships" xmlns:p="http://schemas.openxmlformats.org/presentationml/2006/main">
+  <p:cSld>
+    <p:spTree>
+      <p:nvGrpSpPr>
+        <p:cNvPr id="1" name=""/>
+        <p:cNvGrpSpPr/>
+        <p:nvPr/>
+      </p:nvGrpSpPr>
+      <p:grpSpPr>
+        <a:xfrm>
+          <a:off x="0" y="0"/>
+          <a:ext cx="0" cy="0"/>
+          <a:chOff x="0" y="0"/>
+          <a:chExt cx="0" cy="0"/>
+        </a:xfrm>
+      </p:grpSpPr>
+      <p:sp>
+        <p:nvSpPr>
+          <p:cNvPr id="2" name="Título 1">
+            <a:extLst>
+              <a:ext uri="{FF2B5EF4-FFF2-40B4-BE49-F238E27FC236}">
+                <a16:creationId xmlns:a16="http://schemas.microsoft.com/office/drawing/2014/main" id="{065E7D94-DE53-430F-004D-C9CB8C417385}"/>
+              </a:ext>
+            </a:extLst>
+          </p:cNvPr>
+          <p:cNvSpPr>
+            <a:spLocks noGrp="1"/>
+          </p:cNvSpPr>
+          <p:nvPr>
+            <p:ph type="title"/>
+          </p:nvPr>
+        </p:nvSpPr>
+        <p:spPr/>
+        <p:txBody>
+          <a:bodyPr/>
+          <a:lstStyle/>
+          <a:p>
+            <a:r>
+              <a:rPr lang="es-PE" dirty="0"/>
+              <a:t>Despliegue DEV</a:t>
+            </a:r>
+          </a:p>
+        </p:txBody>
+      </p:sp>
+      <p:sp>
+        <p:nvSpPr>
+          <p:cNvPr id="4" name="CuadroTexto 3">
+            <a:extLst>
+              <a:ext uri="{FF2B5EF4-FFF2-40B4-BE49-F238E27FC236}">
+                <a16:creationId xmlns:a16="http://schemas.microsoft.com/office/drawing/2014/main" id="{001817D2-C993-4BA7-0C96-59E9AB0CB9E6}"/>
+              </a:ext>
+            </a:extLst>
+          </p:cNvPr>
+          <p:cNvSpPr txBox="1"/>
+          <p:nvPr/>
+        </p:nvSpPr>
+        <p:spPr>
+          <a:xfrm>
+            <a:off x="701963" y="4220464"/>
+            <a:ext cx="2334422" cy="369332"/>
+          </a:xfrm>
+          <a:prstGeom prst="rect">
+            <a:avLst/>
+          </a:prstGeom>
+          <a:noFill/>
+        </p:spPr>
+        <p:txBody>
+          <a:bodyPr wrap="none" rtlCol="0">
+            <a:spAutoFit/>
+          </a:bodyPr>
+          <a:lstStyle/>
+          <a:p>
+            <a:r>
+              <a:rPr lang="es-PE" b="1" dirty="0"/>
+              <a:t>cuentas-SNAPSHOT.jar</a:t>
+            </a:r>
+          </a:p>
+        </p:txBody>
+      </p:sp>
+      <p:sp>
+        <p:nvSpPr>
+          <p:cNvPr id="6" name="CuadroTexto 5">
+            <a:extLst>
+              <a:ext uri="{FF2B5EF4-FFF2-40B4-BE49-F238E27FC236}">
+                <a16:creationId xmlns:a16="http://schemas.microsoft.com/office/drawing/2014/main" id="{38ECA906-4B88-B5BF-94D5-2815A5C65FDE}"/>
+              </a:ext>
+            </a:extLst>
+          </p:cNvPr>
+          <p:cNvSpPr txBox="1"/>
+          <p:nvPr/>
+        </p:nvSpPr>
+        <p:spPr>
+          <a:xfrm>
+            <a:off x="701963" y="3316533"/>
+            <a:ext cx="1548244" cy="369332"/>
+          </a:xfrm>
+          <a:prstGeom prst="rect">
+            <a:avLst/>
+          </a:prstGeom>
+          <a:noFill/>
+        </p:spPr>
+        <p:txBody>
+          <a:bodyPr wrap="none" rtlCol="0">
+            <a:spAutoFit/>
+          </a:bodyPr>
+          <a:lstStyle/>
+          <a:p>
+            <a:r>
+              <a:rPr lang="es-PE" b="1" dirty="0">
+                <a:solidFill>
+                  <a:srgbClr val="0070C0"/>
+                </a:solidFill>
+              </a:rPr>
+              <a:t>$mvn package</a:t>
+            </a:r>
+          </a:p>
+        </p:txBody>
+      </p:sp>
+      <p:cxnSp>
+        <p:nvCxnSpPr>
+          <p:cNvPr id="8" name="Conector recto 7">
+            <a:extLst>
+              <a:ext uri="{FF2B5EF4-FFF2-40B4-BE49-F238E27FC236}">
+                <a16:creationId xmlns:a16="http://schemas.microsoft.com/office/drawing/2014/main" id="{6579C12F-6AE6-40F8-E198-9E47D9251EEA}"/>
+              </a:ext>
+            </a:extLst>
+          </p:cNvPr>
+          <p:cNvCxnSpPr>
+            <a:cxnSpLocks/>
+          </p:cNvCxnSpPr>
+          <p:nvPr/>
+        </p:nvCxnSpPr>
+        <p:spPr>
+          <a:xfrm>
+            <a:off x="838200" y="3953164"/>
+            <a:ext cx="10515600" cy="0"/>
+          </a:xfrm>
+          <a:prstGeom prst="line">
+            <a:avLst/>
+          </a:prstGeom>
+        </p:spPr>
+        <p:style>
+          <a:lnRef idx="1">
+            <a:schemeClr val="accent1"/>
+          </a:lnRef>
+          <a:fillRef idx="0">
+            <a:schemeClr val="accent1"/>
+          </a:fillRef>
+          <a:effectRef idx="0">
+            <a:schemeClr val="accent1"/>
+          </a:effectRef>
+          <a:fontRef idx="minor">
+            <a:schemeClr val="tx1"/>
+          </a:fontRef>
+        </p:style>
+      </p:cxnSp>
+      <p:sp>
+        <p:nvSpPr>
+          <p:cNvPr id="10" name="Elipse 9">
+            <a:extLst>
+              <a:ext uri="{FF2B5EF4-FFF2-40B4-BE49-F238E27FC236}">
+                <a16:creationId xmlns:a16="http://schemas.microsoft.com/office/drawing/2014/main" id="{25910488-9E64-7FB0-AF0C-9A7B0719781B}"/>
+              </a:ext>
+            </a:extLst>
+          </p:cNvPr>
+          <p:cNvSpPr/>
+          <p:nvPr/>
+        </p:nvSpPr>
+        <p:spPr>
+          <a:xfrm>
+            <a:off x="838200" y="3735835"/>
+            <a:ext cx="406400" cy="350979"/>
+          </a:xfrm>
+          <a:prstGeom prst="ellipse">
+            <a:avLst/>
+          </a:prstGeom>
+        </p:spPr>
+        <p:style>
+          <a:lnRef idx="0">
+            <a:schemeClr val="accent2"/>
+          </a:lnRef>
+          <a:fillRef idx="3">
+            <a:schemeClr val="accent2"/>
+          </a:fillRef>
+          <a:effectRef idx="3">
+            <a:schemeClr val="accent2"/>
+          </a:effectRef>
+          <a:fontRef idx="minor">
+            <a:schemeClr val="lt1"/>
+          </a:fontRef>
+        </p:style>
+        <p:txBody>
+          <a:bodyPr rtlCol="0" anchor="ctr"/>
+          <a:lstStyle/>
+          <a:p>
+            <a:pPr algn="ctr"/>
+            <a:endParaRPr lang="es-PE"/>
+          </a:p>
+        </p:txBody>
+      </p:sp>
+      <p:sp>
+        <p:nvSpPr>
+          <p:cNvPr id="11" name="Elipse 10">
+            <a:extLst>
+              <a:ext uri="{FF2B5EF4-FFF2-40B4-BE49-F238E27FC236}">
+                <a16:creationId xmlns:a16="http://schemas.microsoft.com/office/drawing/2014/main" id="{31A7D323-F7BC-2FBF-3C21-2FDA51C9D9B1}"/>
+              </a:ext>
+            </a:extLst>
+          </p:cNvPr>
+          <p:cNvSpPr/>
+          <p:nvPr/>
+        </p:nvSpPr>
+        <p:spPr>
+          <a:xfrm>
+            <a:off x="3650673" y="3735835"/>
+            <a:ext cx="406400" cy="350979"/>
+          </a:xfrm>
+          <a:prstGeom prst="ellipse">
+            <a:avLst/>
+          </a:prstGeom>
+        </p:spPr>
+        <p:style>
+          <a:lnRef idx="0">
+            <a:schemeClr val="accent2"/>
+          </a:lnRef>
+          <a:fillRef idx="3">
+            <a:schemeClr val="accent2"/>
+          </a:fillRef>
+          <a:effectRef idx="3">
+            <a:schemeClr val="accent2"/>
+          </a:effectRef>
+          <a:fontRef idx="minor">
+            <a:schemeClr val="lt1"/>
+          </a:fontRef>
+        </p:style>
+        <p:txBody>
+          <a:bodyPr rtlCol="0" anchor="ctr"/>
+          <a:lstStyle/>
+          <a:p>
+            <a:pPr algn="ctr"/>
+            <a:endParaRPr lang="es-PE"/>
+          </a:p>
+        </p:txBody>
+      </p:sp>
+      <p:sp>
+        <p:nvSpPr>
+          <p:cNvPr id="12" name="CuadroTexto 11">
+            <a:extLst>
+              <a:ext uri="{FF2B5EF4-FFF2-40B4-BE49-F238E27FC236}">
+                <a16:creationId xmlns:a16="http://schemas.microsoft.com/office/drawing/2014/main" id="{16687133-E68A-AED6-6FD5-FE99346F37DD}"/>
+              </a:ext>
+            </a:extLst>
+          </p:cNvPr>
+          <p:cNvSpPr txBox="1"/>
+          <p:nvPr/>
+        </p:nvSpPr>
+        <p:spPr>
+          <a:xfrm>
+            <a:off x="3521364" y="3257839"/>
+            <a:ext cx="2728889" cy="369332"/>
+          </a:xfrm>
+          <a:prstGeom prst="rect">
+            <a:avLst/>
+          </a:prstGeom>
+          <a:noFill/>
+        </p:spPr>
+        <p:txBody>
+          <a:bodyPr wrap="none" rtlCol="0">
+            <a:spAutoFit/>
+          </a:bodyPr>
+          <a:lstStyle/>
+          <a:p>
+            <a:r>
+              <a:rPr lang="es-PE" b="1" dirty="0">
+                <a:solidFill>
+                  <a:srgbClr val="0070C0"/>
+                </a:solidFill>
+              </a:rPr>
+              <a:t>$</a:t>
+            </a:r>
+            <a:r>
+              <a:rPr lang="es-PE" b="1" dirty="0" err="1">
+                <a:solidFill>
+                  <a:srgbClr val="0070C0"/>
+                </a:solidFill>
+              </a:rPr>
+              <a:t>docker</a:t>
+            </a:r>
+            <a:r>
+              <a:rPr lang="es-PE" b="1" dirty="0">
+                <a:solidFill>
+                  <a:srgbClr val="0070C0"/>
+                </a:solidFill>
+              </a:rPr>
+              <a:t> build –t </a:t>
+            </a:r>
+            <a:r>
+              <a:rPr lang="es-PE" b="1" dirty="0" err="1">
+                <a:solidFill>
+                  <a:srgbClr val="0070C0"/>
+                </a:solidFill>
+              </a:rPr>
+              <a:t>dockerfile</a:t>
+            </a:r>
+            <a:endParaRPr lang="es-PE" b="1" dirty="0">
+              <a:solidFill>
+                <a:srgbClr val="0070C0"/>
+              </a:solidFill>
+            </a:endParaRPr>
+          </a:p>
+        </p:txBody>
+      </p:sp>
+      <p:sp>
+        <p:nvSpPr>
+          <p:cNvPr id="13" name="Cubo 12">
+            <a:extLst>
+              <a:ext uri="{FF2B5EF4-FFF2-40B4-BE49-F238E27FC236}">
+                <a16:creationId xmlns:a16="http://schemas.microsoft.com/office/drawing/2014/main" id="{4830EE3C-059B-0121-83E9-F250FDD45CF6}"/>
+              </a:ext>
+            </a:extLst>
+          </p:cNvPr>
+          <p:cNvSpPr/>
+          <p:nvPr/>
+        </p:nvSpPr>
+        <p:spPr>
+          <a:xfrm>
+            <a:off x="4885808" y="1468582"/>
+            <a:ext cx="886919" cy="1521958"/>
+          </a:xfrm>
+          <a:prstGeom prst="cube">
+            <a:avLst/>
+          </a:prstGeom>
+        </p:spPr>
+        <p:style>
+          <a:lnRef idx="3">
+            <a:schemeClr val="lt1"/>
+          </a:lnRef>
+          <a:fillRef idx="1">
+            <a:schemeClr val="accent6"/>
+          </a:fillRef>
+          <a:effectRef idx="1">
+            <a:schemeClr val="accent6"/>
+          </a:effectRef>
+          <a:fontRef idx="minor">
+            <a:schemeClr val="lt1"/>
+          </a:fontRef>
+        </p:style>
+        <p:txBody>
+          <a:bodyPr rtlCol="0" anchor="ctr"/>
+          <a:lstStyle/>
+          <a:p>
+            <a:pPr algn="ctr"/>
+            <a:endParaRPr lang="es-PE"/>
+          </a:p>
+        </p:txBody>
+      </p:sp>
+      <p:sp>
+        <p:nvSpPr>
+          <p:cNvPr id="14" name="Elipse 13">
+            <a:extLst>
+              <a:ext uri="{FF2B5EF4-FFF2-40B4-BE49-F238E27FC236}">
+                <a16:creationId xmlns:a16="http://schemas.microsoft.com/office/drawing/2014/main" id="{839271B5-2B15-B365-36AE-06D006CE2FA6}"/>
+              </a:ext>
+            </a:extLst>
+          </p:cNvPr>
+          <p:cNvSpPr/>
+          <p:nvPr/>
+        </p:nvSpPr>
+        <p:spPr>
+          <a:xfrm>
+            <a:off x="4978400" y="1865745"/>
+            <a:ext cx="563418" cy="332510"/>
+          </a:xfrm>
+          <a:prstGeom prst="ellipse">
+            <a:avLst/>
+          </a:prstGeom>
+        </p:spPr>
+        <p:style>
+          <a:lnRef idx="2">
+            <a:schemeClr val="accent5">
+              <a:shade val="15000"/>
+            </a:schemeClr>
+          </a:lnRef>
+          <a:fillRef idx="1">
+            <a:schemeClr val="accent5"/>
+          </a:fillRef>
+          <a:effectRef idx="0">
+            <a:schemeClr val="accent5"/>
+          </a:effectRef>
+          <a:fontRef idx="minor">
+            <a:schemeClr val="lt1"/>
+          </a:fontRef>
+        </p:style>
+        <p:txBody>
+          <a:bodyPr rtlCol="0" anchor="ctr"/>
+          <a:lstStyle/>
+          <a:p>
+            <a:pPr algn="ctr"/>
+            <a:endParaRPr lang="es-PE"/>
+          </a:p>
+        </p:txBody>
+      </p:sp>
+      <p:sp>
+        <p:nvSpPr>
+          <p:cNvPr id="15" name="Elipse 14">
+            <a:extLst>
+              <a:ext uri="{FF2B5EF4-FFF2-40B4-BE49-F238E27FC236}">
+                <a16:creationId xmlns:a16="http://schemas.microsoft.com/office/drawing/2014/main" id="{F745258D-781E-F478-7449-1678964C9A3A}"/>
+              </a:ext>
+            </a:extLst>
+          </p:cNvPr>
+          <p:cNvSpPr/>
+          <p:nvPr/>
+        </p:nvSpPr>
+        <p:spPr>
+          <a:xfrm>
+            <a:off x="6638636" y="3777674"/>
+            <a:ext cx="406400" cy="350979"/>
+          </a:xfrm>
+          <a:prstGeom prst="ellipse">
+            <a:avLst/>
+          </a:prstGeom>
+        </p:spPr>
+        <p:style>
+          <a:lnRef idx="0">
+            <a:schemeClr val="accent2"/>
+          </a:lnRef>
+          <a:fillRef idx="3">
+            <a:schemeClr val="accent2"/>
+          </a:fillRef>
+          <a:effectRef idx="3">
+            <a:schemeClr val="accent2"/>
+          </a:effectRef>
+          <a:fontRef idx="minor">
+            <a:schemeClr val="lt1"/>
+          </a:fontRef>
+        </p:style>
+        <p:txBody>
+          <a:bodyPr rtlCol="0" anchor="ctr"/>
+          <a:lstStyle/>
+          <a:p>
+            <a:pPr algn="ctr"/>
+            <a:endParaRPr lang="es-PE"/>
+          </a:p>
+        </p:txBody>
+      </p:sp>
+      <p:sp>
+        <p:nvSpPr>
+          <p:cNvPr id="16" name="CuadroTexto 15">
+            <a:extLst>
+              <a:ext uri="{FF2B5EF4-FFF2-40B4-BE49-F238E27FC236}">
+                <a16:creationId xmlns:a16="http://schemas.microsoft.com/office/drawing/2014/main" id="{339FCE1E-C250-D2EC-8988-010E8CBB19AC}"/>
+              </a:ext>
+            </a:extLst>
+          </p:cNvPr>
+          <p:cNvSpPr txBox="1"/>
+          <p:nvPr/>
+        </p:nvSpPr>
+        <p:spPr>
+          <a:xfrm>
+            <a:off x="6638636" y="4308861"/>
+            <a:ext cx="3310009" cy="369332"/>
+          </a:xfrm>
+          <a:prstGeom prst="rect">
+            <a:avLst/>
+          </a:prstGeom>
+          <a:noFill/>
+        </p:spPr>
+        <p:txBody>
+          <a:bodyPr wrap="none" rtlCol="0">
+            <a:spAutoFit/>
+          </a:bodyPr>
+          <a:lstStyle/>
+          <a:p>
+            <a:r>
+              <a:rPr lang="es-PE" dirty="0">
+                <a:solidFill>
+                  <a:srgbClr val="0070C0"/>
+                </a:solidFill>
+              </a:rPr>
+              <a:t>$</a:t>
+            </a:r>
+            <a:r>
+              <a:rPr lang="es-PE" dirty="0" err="1">
+                <a:solidFill>
+                  <a:srgbClr val="0070C0"/>
+                </a:solidFill>
+              </a:rPr>
+              <a:t>docker</a:t>
+            </a:r>
+            <a:r>
+              <a:rPr lang="es-PE" dirty="0">
+                <a:solidFill>
+                  <a:srgbClr val="0070C0"/>
+                </a:solidFill>
+              </a:rPr>
+              <a:t> run –d –t </a:t>
+            </a:r>
+            <a:r>
+              <a:rPr lang="es-PE" dirty="0" err="1">
+                <a:solidFill>
+                  <a:srgbClr val="0070C0"/>
+                </a:solidFill>
+              </a:rPr>
+              <a:t>igp</a:t>
+            </a:r>
+            <a:r>
+              <a:rPr lang="es-PE" dirty="0">
+                <a:solidFill>
+                  <a:srgbClr val="0070C0"/>
+                </a:solidFill>
+              </a:rPr>
+              <a:t>/cuentas/v1</a:t>
+            </a:r>
+          </a:p>
+        </p:txBody>
+      </p:sp>
+      <p:sp>
+        <p:nvSpPr>
+          <p:cNvPr id="17" name="Cubo 16">
+            <a:extLst>
+              <a:ext uri="{FF2B5EF4-FFF2-40B4-BE49-F238E27FC236}">
+                <a16:creationId xmlns:a16="http://schemas.microsoft.com/office/drawing/2014/main" id="{0674BE10-760C-D093-1B35-CD4CDBCDF823}"/>
+              </a:ext>
+            </a:extLst>
+          </p:cNvPr>
+          <p:cNvSpPr/>
+          <p:nvPr/>
+        </p:nvSpPr>
+        <p:spPr>
+          <a:xfrm>
+            <a:off x="7676344" y="1382982"/>
+            <a:ext cx="886919" cy="1521958"/>
+          </a:xfrm>
+          <a:prstGeom prst="cube">
+            <a:avLst/>
+          </a:prstGeom>
+        </p:spPr>
+        <p:style>
+          <a:lnRef idx="3">
+            <a:schemeClr val="lt1"/>
+          </a:lnRef>
+          <a:fillRef idx="1">
+            <a:schemeClr val="accent6"/>
+          </a:fillRef>
+          <a:effectRef idx="1">
+            <a:schemeClr val="accent6"/>
+          </a:effectRef>
+          <a:fontRef idx="minor">
+            <a:schemeClr val="lt1"/>
+          </a:fontRef>
+        </p:style>
+        <p:txBody>
+          <a:bodyPr rtlCol="0" anchor="ctr"/>
+          <a:lstStyle/>
+          <a:p>
+            <a:pPr algn="ctr"/>
+            <a:endParaRPr lang="es-PE"/>
+          </a:p>
+        </p:txBody>
+      </p:sp>
+      <p:sp>
+        <p:nvSpPr>
+          <p:cNvPr id="18" name="Rectángulo: esquinas redondeadas 17">
+            <a:extLst>
+              <a:ext uri="{FF2B5EF4-FFF2-40B4-BE49-F238E27FC236}">
+                <a16:creationId xmlns:a16="http://schemas.microsoft.com/office/drawing/2014/main" id="{D3D9CAEB-A21A-5D24-2B5D-5E81845AC990}"/>
+              </a:ext>
+            </a:extLst>
+          </p:cNvPr>
+          <p:cNvSpPr/>
+          <p:nvPr/>
+        </p:nvSpPr>
+        <p:spPr>
+          <a:xfrm>
+            <a:off x="7860145" y="1690688"/>
+            <a:ext cx="424873" cy="267299"/>
+          </a:xfrm>
+          <a:prstGeom prst="roundRect">
+            <a:avLst/>
+          </a:prstGeom>
+        </p:spPr>
+        <p:style>
+          <a:lnRef idx="2">
+            <a:schemeClr val="accent4">
+              <a:shade val="15000"/>
+            </a:schemeClr>
+          </a:lnRef>
+          <a:fillRef idx="1">
+            <a:schemeClr val="accent4"/>
+          </a:fillRef>
+          <a:effectRef idx="0">
+            <a:schemeClr val="accent4"/>
+          </a:effectRef>
+          <a:fontRef idx="minor">
+            <a:schemeClr val="lt1"/>
+          </a:fontRef>
+        </p:style>
+        <p:txBody>
+          <a:bodyPr rtlCol="0" anchor="ctr"/>
+          <a:lstStyle/>
+          <a:p>
+            <a:pPr algn="ctr"/>
+            <a:endParaRPr lang="es-PE"/>
+          </a:p>
+        </p:txBody>
+      </p:sp>
+      <p:sp>
+        <p:nvSpPr>
+          <p:cNvPr id="19" name="CuadroTexto 18">
+            <a:extLst>
+              <a:ext uri="{FF2B5EF4-FFF2-40B4-BE49-F238E27FC236}">
+                <a16:creationId xmlns:a16="http://schemas.microsoft.com/office/drawing/2014/main" id="{0F62D68B-7232-E3FB-3C92-11B140FD8E4A}"/>
+              </a:ext>
+            </a:extLst>
+          </p:cNvPr>
+          <p:cNvSpPr txBox="1"/>
+          <p:nvPr/>
+        </p:nvSpPr>
+        <p:spPr>
+          <a:xfrm>
+            <a:off x="6619548" y="5153181"/>
+            <a:ext cx="3310009" cy="369332"/>
+          </a:xfrm>
+          <a:prstGeom prst="rect">
+            <a:avLst/>
+          </a:prstGeom>
+          <a:noFill/>
+        </p:spPr>
+        <p:txBody>
+          <a:bodyPr wrap="none" rtlCol="0">
+            <a:spAutoFit/>
+          </a:bodyPr>
+          <a:lstStyle/>
+          <a:p>
+            <a:r>
+              <a:rPr lang="es-PE" dirty="0">
+                <a:solidFill>
+                  <a:srgbClr val="0070C0"/>
+                </a:solidFill>
+              </a:rPr>
+              <a:t>$</a:t>
+            </a:r>
+            <a:r>
+              <a:rPr lang="es-PE" dirty="0" err="1">
+                <a:solidFill>
+                  <a:srgbClr val="0070C0"/>
+                </a:solidFill>
+              </a:rPr>
+              <a:t>docker</a:t>
+            </a:r>
+            <a:r>
+              <a:rPr lang="es-PE" dirty="0">
+                <a:solidFill>
+                  <a:srgbClr val="0070C0"/>
+                </a:solidFill>
+              </a:rPr>
+              <a:t> run –d –t </a:t>
+            </a:r>
+            <a:r>
+              <a:rPr lang="es-PE" dirty="0" err="1">
+                <a:solidFill>
+                  <a:srgbClr val="0070C0"/>
+                </a:solidFill>
+              </a:rPr>
+              <a:t>igp</a:t>
+            </a:r>
+            <a:r>
+              <a:rPr lang="es-PE" dirty="0">
+                <a:solidFill>
+                  <a:srgbClr val="0070C0"/>
+                </a:solidFill>
+              </a:rPr>
+              <a:t>/cuentas/v1</a:t>
+            </a:r>
+          </a:p>
+        </p:txBody>
+      </p:sp>
+      <p:sp>
+        <p:nvSpPr>
+          <p:cNvPr id="20" name="Rectángulo: esquinas redondeadas 19">
+            <a:extLst>
+              <a:ext uri="{FF2B5EF4-FFF2-40B4-BE49-F238E27FC236}">
+                <a16:creationId xmlns:a16="http://schemas.microsoft.com/office/drawing/2014/main" id="{E12FD566-CEBC-EA47-AF64-FD8C92A61DE1}"/>
+              </a:ext>
+            </a:extLst>
+          </p:cNvPr>
+          <p:cNvSpPr/>
+          <p:nvPr/>
+        </p:nvSpPr>
+        <p:spPr>
+          <a:xfrm>
+            <a:off x="7860144" y="2041666"/>
+            <a:ext cx="424873" cy="267299"/>
+          </a:xfrm>
+          <a:prstGeom prst="roundRect">
+            <a:avLst/>
+          </a:prstGeom>
+        </p:spPr>
+        <p:style>
+          <a:lnRef idx="2">
+            <a:schemeClr val="accent4">
+              <a:shade val="15000"/>
+            </a:schemeClr>
+          </a:lnRef>
+          <a:fillRef idx="1">
+            <a:schemeClr val="accent4"/>
+          </a:fillRef>
+          <a:effectRef idx="0">
+            <a:schemeClr val="accent4"/>
+          </a:effectRef>
+          <a:fontRef idx="minor">
+            <a:schemeClr val="lt1"/>
+          </a:fontRef>
+        </p:style>
+        <p:txBody>
+          <a:bodyPr rtlCol="0" anchor="ctr"/>
+          <a:lstStyle/>
+          <a:p>
+            <a:pPr algn="ctr"/>
+            <a:endParaRPr lang="es-PE"/>
+          </a:p>
+        </p:txBody>
+      </p:sp>
+      <p:sp>
+        <p:nvSpPr>
+          <p:cNvPr id="21" name="CuadroTexto 20">
+            <a:extLst>
+              <a:ext uri="{FF2B5EF4-FFF2-40B4-BE49-F238E27FC236}">
+                <a16:creationId xmlns:a16="http://schemas.microsoft.com/office/drawing/2014/main" id="{AB040C7C-047C-48C3-97B0-829889610FF9}"/>
+              </a:ext>
+            </a:extLst>
+          </p:cNvPr>
+          <p:cNvSpPr txBox="1"/>
+          <p:nvPr/>
+        </p:nvSpPr>
+        <p:spPr>
+          <a:xfrm>
+            <a:off x="6638636" y="4738799"/>
+            <a:ext cx="3310009" cy="369332"/>
+          </a:xfrm>
+          <a:prstGeom prst="rect">
+            <a:avLst/>
+          </a:prstGeom>
+          <a:noFill/>
+        </p:spPr>
+        <p:txBody>
+          <a:bodyPr wrap="none" rtlCol="0">
+            <a:spAutoFit/>
+          </a:bodyPr>
+          <a:lstStyle/>
+          <a:p>
+            <a:r>
+              <a:rPr lang="es-PE" dirty="0">
+                <a:solidFill>
+                  <a:srgbClr val="0070C0"/>
+                </a:solidFill>
+              </a:rPr>
+              <a:t>$</a:t>
+            </a:r>
+            <a:r>
+              <a:rPr lang="es-PE" dirty="0" err="1">
+                <a:solidFill>
+                  <a:srgbClr val="0070C0"/>
+                </a:solidFill>
+              </a:rPr>
+              <a:t>docker</a:t>
+            </a:r>
+            <a:r>
+              <a:rPr lang="es-PE" dirty="0">
+                <a:solidFill>
+                  <a:srgbClr val="0070C0"/>
+                </a:solidFill>
+              </a:rPr>
+              <a:t> run –d –t </a:t>
+            </a:r>
+            <a:r>
+              <a:rPr lang="es-PE" dirty="0" err="1">
+                <a:solidFill>
+                  <a:srgbClr val="0070C0"/>
+                </a:solidFill>
+              </a:rPr>
+              <a:t>igp</a:t>
+            </a:r>
+            <a:r>
+              <a:rPr lang="es-PE" dirty="0">
+                <a:solidFill>
+                  <a:srgbClr val="0070C0"/>
+                </a:solidFill>
+              </a:rPr>
+              <a:t>/cuentas/v1</a:t>
+            </a:r>
+          </a:p>
+        </p:txBody>
+      </p:sp>
+      <p:sp>
+        <p:nvSpPr>
+          <p:cNvPr id="22" name="Rectángulo: esquinas redondeadas 21">
+            <a:extLst>
+              <a:ext uri="{FF2B5EF4-FFF2-40B4-BE49-F238E27FC236}">
+                <a16:creationId xmlns:a16="http://schemas.microsoft.com/office/drawing/2014/main" id="{D99065C9-C178-D5E2-5C34-FBC8410A069A}"/>
+              </a:ext>
+            </a:extLst>
+          </p:cNvPr>
+          <p:cNvSpPr/>
+          <p:nvPr/>
+        </p:nvSpPr>
+        <p:spPr>
+          <a:xfrm>
+            <a:off x="7868767" y="2392644"/>
+            <a:ext cx="424873" cy="267299"/>
+          </a:xfrm>
+          <a:prstGeom prst="roundRect">
+            <a:avLst/>
+          </a:prstGeom>
+        </p:spPr>
+        <p:style>
+          <a:lnRef idx="2">
+            <a:schemeClr val="accent4">
+              <a:shade val="15000"/>
+            </a:schemeClr>
+          </a:lnRef>
+          <a:fillRef idx="1">
+            <a:schemeClr val="accent4"/>
+          </a:fillRef>
+          <a:effectRef idx="0">
+            <a:schemeClr val="accent4"/>
+          </a:effectRef>
+          <a:fontRef idx="minor">
+            <a:schemeClr val="lt1"/>
+          </a:fontRef>
+        </p:style>
+        <p:txBody>
+          <a:bodyPr rtlCol="0" anchor="ctr"/>
+          <a:lstStyle/>
+          <a:p>
+            <a:pPr algn="ctr"/>
+            <a:endParaRPr lang="es-PE"/>
+          </a:p>
+        </p:txBody>
+      </p:sp>
+      <p:sp>
+        <p:nvSpPr>
+          <p:cNvPr id="23" name="Rectángulo: esquinas redondeadas 22">
+            <a:extLst>
+              <a:ext uri="{FF2B5EF4-FFF2-40B4-BE49-F238E27FC236}">
+                <a16:creationId xmlns:a16="http://schemas.microsoft.com/office/drawing/2014/main" id="{55E52CCA-0EC0-036C-C8EF-98916A2FAB7F}"/>
+              </a:ext>
+            </a:extLst>
+          </p:cNvPr>
+          <p:cNvSpPr/>
+          <p:nvPr/>
+        </p:nvSpPr>
+        <p:spPr>
+          <a:xfrm>
+            <a:off x="1041400" y="5403273"/>
+            <a:ext cx="1073727" cy="545068"/>
+          </a:xfrm>
+          <a:prstGeom prst="roundRect">
+            <a:avLst/>
+          </a:prstGeom>
+        </p:spPr>
+        <p:style>
+          <a:lnRef idx="2">
+            <a:schemeClr val="accent1">
+              <a:shade val="15000"/>
+            </a:schemeClr>
+          </a:lnRef>
+          <a:fillRef idx="1">
+            <a:schemeClr val="accent1"/>
+          </a:fillRef>
+          <a:effectRef idx="0">
+            <a:schemeClr val="accent1"/>
+          </a:effectRef>
+          <a:fontRef idx="minor">
+            <a:schemeClr val="lt1"/>
+          </a:fontRef>
+        </p:style>
+        <p:txBody>
+          <a:bodyPr rtlCol="0" anchor="ctr"/>
+          <a:lstStyle/>
+          <a:p>
+            <a:pPr algn="ctr"/>
+            <a:endParaRPr lang="es-PE"/>
+          </a:p>
+        </p:txBody>
+      </p:sp>
+      <p:sp>
+        <p:nvSpPr>
+          <p:cNvPr id="24" name="CuadroTexto 23">
+            <a:extLst>
+              <a:ext uri="{FF2B5EF4-FFF2-40B4-BE49-F238E27FC236}">
+                <a16:creationId xmlns:a16="http://schemas.microsoft.com/office/drawing/2014/main" id="{1E8AF336-0BC4-B0F5-0E35-AA3A54897051}"/>
+              </a:ext>
+            </a:extLst>
+          </p:cNvPr>
+          <p:cNvSpPr txBox="1"/>
+          <p:nvPr/>
+        </p:nvSpPr>
+        <p:spPr>
+          <a:xfrm>
+            <a:off x="838200" y="4969164"/>
+            <a:ext cx="2235868" cy="369332"/>
+          </a:xfrm>
+          <a:prstGeom prst="rect">
+            <a:avLst/>
+          </a:prstGeom>
+          <a:noFill/>
+        </p:spPr>
+        <p:txBody>
+          <a:bodyPr wrap="none" rtlCol="0">
+            <a:spAutoFit/>
+          </a:bodyPr>
+          <a:lstStyle/>
+          <a:p>
+            <a:r>
+              <a:rPr lang="es-PE" dirty="0">
+                <a:solidFill>
+                  <a:srgbClr val="0070C0"/>
+                </a:solidFill>
+              </a:rPr>
+              <a:t>$mvn </a:t>
+            </a:r>
+            <a:r>
+              <a:rPr lang="es-PE" dirty="0" err="1">
+                <a:solidFill>
+                  <a:srgbClr val="0070C0"/>
+                </a:solidFill>
+              </a:rPr>
+              <a:t>spring-boot:run</a:t>
+            </a:r>
+            <a:endParaRPr lang="es-PE" dirty="0">
+              <a:solidFill>
+                <a:srgbClr val="0070C0"/>
+              </a:solidFill>
+            </a:endParaRPr>
+          </a:p>
+        </p:txBody>
+      </p:sp>
+      <p:sp>
+        <p:nvSpPr>
+          <p:cNvPr id="25" name="Rectángulo: esquinas redondeadas 24">
+            <a:extLst>
+              <a:ext uri="{FF2B5EF4-FFF2-40B4-BE49-F238E27FC236}">
+                <a16:creationId xmlns:a16="http://schemas.microsoft.com/office/drawing/2014/main" id="{59D4EAF8-EE60-9705-C644-FE50E2A89264}"/>
+              </a:ext>
+            </a:extLst>
+          </p:cNvPr>
+          <p:cNvSpPr/>
+          <p:nvPr/>
+        </p:nvSpPr>
+        <p:spPr>
+          <a:xfrm>
+            <a:off x="1153390" y="5522513"/>
+            <a:ext cx="424873" cy="267299"/>
+          </a:xfrm>
+          <a:prstGeom prst="roundRect">
+            <a:avLst/>
+          </a:prstGeom>
+        </p:spPr>
+        <p:style>
+          <a:lnRef idx="2">
+            <a:schemeClr val="accent4">
+              <a:shade val="15000"/>
+            </a:schemeClr>
+          </a:lnRef>
+          <a:fillRef idx="1">
+            <a:schemeClr val="accent4"/>
+          </a:fillRef>
+          <a:effectRef idx="0">
+            <a:schemeClr val="accent4"/>
+          </a:effectRef>
+          <a:fontRef idx="minor">
+            <a:schemeClr val="lt1"/>
+          </a:fontRef>
+        </p:style>
+        <p:txBody>
+          <a:bodyPr rtlCol="0" anchor="ctr"/>
+          <a:lstStyle/>
+          <a:p>
+            <a:pPr algn="ctr"/>
+            <a:endParaRPr lang="es-PE"/>
+          </a:p>
+        </p:txBody>
+      </p:sp>
+      <p:sp>
+        <p:nvSpPr>
+          <p:cNvPr id="26" name="CuadroTexto 25">
+            <a:extLst>
+              <a:ext uri="{FF2B5EF4-FFF2-40B4-BE49-F238E27FC236}">
+                <a16:creationId xmlns:a16="http://schemas.microsoft.com/office/drawing/2014/main" id="{6058F855-A6B2-3179-11F3-EFA3D721A961}"/>
+              </a:ext>
+            </a:extLst>
+          </p:cNvPr>
+          <p:cNvSpPr txBox="1"/>
+          <p:nvPr/>
+        </p:nvSpPr>
+        <p:spPr>
+          <a:xfrm>
+            <a:off x="1154845" y="5946953"/>
+            <a:ext cx="846835" cy="369332"/>
+          </a:xfrm>
+          <a:prstGeom prst="rect">
+            <a:avLst/>
+          </a:prstGeom>
+          <a:noFill/>
+        </p:spPr>
+        <p:txBody>
+          <a:bodyPr wrap="none" rtlCol="0">
+            <a:spAutoFit/>
+          </a:bodyPr>
+          <a:lstStyle/>
+          <a:p>
+            <a:r>
+              <a:rPr lang="es-PE" dirty="0" err="1"/>
+              <a:t>tomcat</a:t>
+            </a:r>
+            <a:endParaRPr lang="es-PE" dirty="0"/>
+          </a:p>
+        </p:txBody>
+      </p:sp>
+      <p:sp>
+        <p:nvSpPr>
+          <p:cNvPr id="27" name="Rectángulo: esquinas redondeadas 26">
+            <a:extLst>
+              <a:ext uri="{FF2B5EF4-FFF2-40B4-BE49-F238E27FC236}">
+                <a16:creationId xmlns:a16="http://schemas.microsoft.com/office/drawing/2014/main" id="{B8726898-4018-A57D-5659-C6C2CBAB8270}"/>
+              </a:ext>
+            </a:extLst>
+          </p:cNvPr>
+          <p:cNvSpPr/>
+          <p:nvPr/>
+        </p:nvSpPr>
+        <p:spPr>
+          <a:xfrm>
+            <a:off x="8012545" y="1843088"/>
+            <a:ext cx="424873" cy="267299"/>
+          </a:xfrm>
+          <a:prstGeom prst="roundRect">
+            <a:avLst/>
+          </a:prstGeom>
+        </p:spPr>
+        <p:style>
+          <a:lnRef idx="2">
+            <a:schemeClr val="accent4">
+              <a:shade val="15000"/>
+            </a:schemeClr>
+          </a:lnRef>
+          <a:fillRef idx="1">
+            <a:schemeClr val="accent4"/>
+          </a:fillRef>
+          <a:effectRef idx="0">
+            <a:schemeClr val="accent4"/>
+          </a:effectRef>
+          <a:fontRef idx="minor">
+            <a:schemeClr val="lt1"/>
+          </a:fontRef>
+        </p:style>
+        <p:txBody>
+          <a:bodyPr rtlCol="0" anchor="ctr"/>
+          <a:lstStyle/>
+          <a:p>
+            <a:pPr algn="ctr"/>
+            <a:endParaRPr lang="es-PE"/>
+          </a:p>
+        </p:txBody>
+      </p:sp>
+    </p:spTree>
+    <p:extLst>
+      <p:ext uri="{BB962C8B-B14F-4D97-AF65-F5344CB8AC3E}">
+        <p14:creationId xmlns:p14="http://schemas.microsoft.com/office/powerpoint/2010/main" val="467870572"/>
+      </p:ext>
+    </p:extLst>
+  </p:cSld>
+  <p:clrMapOvr>
+    <a:masterClrMapping/>
+  </p:clrMapOvr>
+</p:sld>
+</file>
+
 <file path=ppt/theme/theme1.xml><?xml version="1.0" encoding="utf-8"?>
 <a:theme xmlns:a="http://schemas.openxmlformats.org/drawingml/2006/main" name="Tema de Office">
   <a:themeElements>
